--- a/ppt/picture.pptx
+++ b/ppt/picture.pptx
@@ -3543,6 +3543,30 @@
               </a:srgbClr>
             </a:outerShdw>
           </a:effectLst>
+        </p:spPr>
+      </p:pic>
+      <p:pic>
+        <p:nvPicPr>
+          <p:cNvPr id="2" name="图片 1" descr="AWmPutVSXZ"/>
+          <p:cNvPicPr>
+            <a:picLocks noChangeAspect="1"/>
+          </p:cNvPicPr>
+          <p:nvPr/>
+        </p:nvPicPr>
+        <p:blipFill>
+          <a:blip r:embed="rId2"/>
+          <a:stretch>
+            <a:fillRect/>
+          </a:stretch>
+        </p:blipFill>
+        <p:spPr>
+          <a:xfrm>
+            <a:off x="0" y="381000"/>
+            <a:ext cx="6379210" cy="3189605"/>
+          </a:xfrm>
+          <a:prstGeom prst="rect">
+            <a:avLst/>
+          </a:prstGeom>
         </p:spPr>
       </p:pic>
     </p:spTree>
